--- a/Slides/Comments.pptx
+++ b/Slides/Comments.pptx
@@ -168,12 +168,8 @@
 <p:cmAuthorLst xmlns:a="http://schemas.openxmlformats.org/drawingml/2006/main" xmlns:r="http://schemas.openxmlformats.org/officeDocument/2006/relationships" xmlns:p="http://schemas.openxmlformats.org/presentationml/2006/main">
   <p:cmAuthor id="0" name="Saku Uchikawa" initials="SU" lastIdx="11" clrIdx="0"/>
   <p:cmAuthor id="1" name="Mary Feil-Jacobs" initials="MFJ" lastIdx="43" clrIdx="1"/>
-  <p:cmAuthor id="2" name="Monica Lueder" initials="ML" lastIdx="22" clrIdx="2">
-    <p:extLst/>
-  </p:cmAuthor>
-  <p:cmAuthor id="3" name="Mary Feil-Jacobs" initials="MF" lastIdx="22" clrIdx="3">
-    <p:extLst/>
-  </p:cmAuthor>
+  <p:cmAuthor id="2" name="Monica Lueder" initials="ML" lastIdx="22" clrIdx="2"/>
+  <p:cmAuthor id="3" name="Mary Feil-Jacobs" initials="MF" lastIdx="22" clrIdx="3"/>
   <p:cmAuthor id="4" name="Christopher Harrison" initials="CH" lastIdx="1" clrIdx="4">
     <p:extLst>
       <p:ext uri="{19B8F6BF-5375-455C-9EA6-DF929625EA0E}">
@@ -349,7 +345,7 @@
     <p:text>I think this is a perfect example of a comment for someone learning code. Maybe adding another slide with a comment explaining why something was made would help? I'm thinking:
 # Enable PIN check per security requirements
 call_service(user, pin)</p:text>
-    <p:extLst mod="1">
+    <p:extLst>
       <p:ext uri="{C676402C-5697-4E1C-873F-D02D1690AC5C}">
         <p15:threadingInfo xmlns:p15="http://schemas.microsoft.com/office/powerpoint/2012/main" timeZoneBias="420"/>
       </p:ext>
@@ -444,7 +440,7 @@
               <a:rPr lang="en-US" smtClean="0">
                 <a:latin typeface="Segoe UI" pitchFamily="34" charset="0"/>
               </a:rPr>
-              <a:t>5/29/2019 2:15 PM</a:t>
+              <a:t>6/9/2019 4:11 PM</a:t>
             </a:fld>
             <a:endParaRPr lang="en-US" dirty="0">
               <a:latin typeface="Segoe UI" pitchFamily="34" charset="0"/>
@@ -722,7 +718,7 @@
           <a:p>
             <a:fld id="{38EEC551-8CDA-4EB6-89BB-2A86C9F091C8}" type="datetime8">
               <a:rPr lang="en-US" smtClean="0"/>
-              <a:t>5/29/2019 2:14 PM</a:t>
+              <a:t>6/9/2019 4:10 PM</a:t>
             </a:fld>
             <a:endParaRPr lang="en-US" dirty="0"/>
           </a:p>
@@ -1056,7 +1052,7 @@
           <a:p>
             <a:fld id="{6108602D-D426-4C00-B215-BFA18C076426}" type="datetime8">
               <a:rPr lang="en-US" smtClean="0"/>
-              <a:t>5/29/2019 2:15 PM</a:t>
+              <a:t>6/9/2019 4:10 PM</a:t>
             </a:fld>
             <a:endParaRPr lang="en-US" dirty="0"/>
           </a:p>
@@ -1221,7 +1217,7 @@
           <a:p>
             <a:fld id="{6108602D-D426-4C00-B215-BFA18C076426}" type="datetime8">
               <a:rPr lang="en-US" smtClean="0"/>
-              <a:t>5/29/2019 2:14 PM</a:t>
+              <a:t>6/9/2019 4:10 PM</a:t>
             </a:fld>
             <a:endParaRPr lang="en-US" dirty="0"/>
           </a:p>
@@ -1386,7 +1382,7 @@
           <a:p>
             <a:fld id="{6108602D-D426-4C00-B215-BFA18C076426}" type="datetime8">
               <a:rPr lang="en-US" smtClean="0"/>
-              <a:t>5/29/2019 2:17 PM</a:t>
+              <a:t>6/9/2019 4:10 PM</a:t>
             </a:fld>
             <a:endParaRPr lang="en-US" dirty="0"/>
           </a:p>
@@ -1551,7 +1547,7 @@
           <a:p>
             <a:fld id="{6108602D-D426-4C00-B215-BFA18C076426}" type="datetime8">
               <a:rPr lang="en-US" smtClean="0"/>
-              <a:t>5/29/2019 2:20 PM</a:t>
+              <a:t>6/9/2019 4:10 PM</a:t>
             </a:fld>
             <a:endParaRPr lang="en-US" dirty="0"/>
           </a:p>
@@ -1716,7 +1712,7 @@
           <a:p>
             <a:fld id="{6108602D-D426-4C00-B215-BFA18C076426}" type="datetime8">
               <a:rPr lang="en-US" smtClean="0"/>
-              <a:t>5/29/2019 2:14 PM</a:t>
+              <a:t>6/9/2019 4:10 PM</a:t>
             </a:fld>
             <a:endParaRPr lang="en-US" dirty="0"/>
           </a:p>
@@ -3827,7 +3823,6 @@
             <a:ln>
               <a:noFill/>
             </a:ln>
-            <a:extLst/>
           </p:spPr>
           <p:txBody>
             <a:bodyPr vert="horz" wrap="square" lIns="91440" tIns="45720" rIns="91440" bIns="45720" numCol="1" anchor="t" anchorCtr="0" compatLnSpc="1">
@@ -3941,7 +3936,6 @@
             <a:ln>
               <a:noFill/>
             </a:ln>
-            <a:extLst/>
           </p:spPr>
           <p:txBody>
             <a:bodyPr vert="horz" wrap="square" lIns="91440" tIns="45720" rIns="91440" bIns="45720" numCol="1" anchor="t" anchorCtr="0" compatLnSpc="1">
@@ -4254,7 +4248,6 @@
             <a:ln>
               <a:noFill/>
             </a:ln>
-            <a:extLst/>
           </p:spPr>
           <p:txBody>
             <a:bodyPr vert="horz" wrap="square" lIns="91440" tIns="45720" rIns="91440" bIns="45720" numCol="1" anchor="t" anchorCtr="0" compatLnSpc="1">
@@ -4395,7 +4388,6 @@
             <a:ln>
               <a:noFill/>
             </a:ln>
-            <a:extLst/>
           </p:spPr>
           <p:txBody>
             <a:bodyPr vert="horz" wrap="square" lIns="91440" tIns="45720" rIns="91440" bIns="45720" numCol="1" anchor="t" anchorCtr="0" compatLnSpc="1">
@@ -4880,7 +4872,6 @@
               <a:ln>
                 <a:noFill/>
               </a:ln>
-              <a:extLst/>
             </p:spPr>
             <p:txBody>
               <a:bodyPr vert="horz" wrap="square" lIns="91440" tIns="45720" rIns="91440" bIns="45720" numCol="1" anchor="t" anchorCtr="0" compatLnSpc="1">
@@ -4984,7 +4975,6 @@
               <a:ln>
                 <a:noFill/>
               </a:ln>
-              <a:extLst/>
             </p:spPr>
             <p:txBody>
               <a:bodyPr vert="horz" wrap="square" lIns="91440" tIns="45720" rIns="91440" bIns="45720" numCol="1" anchor="t" anchorCtr="0" compatLnSpc="1">
@@ -5304,7 +5294,6 @@
               <a:ln>
                 <a:noFill/>
               </a:ln>
-              <a:extLst/>
             </p:spPr>
             <p:txBody>
               <a:bodyPr vert="horz" wrap="square" lIns="91440" tIns="45720" rIns="91440" bIns="45720" numCol="1" anchor="t" anchorCtr="0" compatLnSpc="1">
@@ -5625,7 +5614,6 @@
               <a:ln>
                 <a:noFill/>
               </a:ln>
-              <a:extLst/>
             </p:spPr>
             <p:txBody>
               <a:bodyPr vert="horz" wrap="square" lIns="91440" tIns="45720" rIns="91440" bIns="45720" numCol="1" anchor="t" anchorCtr="0" compatLnSpc="1">
@@ -5729,7 +5717,6 @@
               <a:ln>
                 <a:noFill/>
               </a:ln>
-              <a:extLst/>
             </p:spPr>
             <p:txBody>
               <a:bodyPr vert="horz" wrap="square" lIns="91440" tIns="45720" rIns="91440" bIns="45720" numCol="1" anchor="t" anchorCtr="0" compatLnSpc="1">
@@ -7020,7 +7007,6 @@
             <a:ln>
               <a:noFill/>
             </a:ln>
-            <a:extLst/>
           </p:spPr>
           <p:txBody>
             <a:bodyPr vert="horz" wrap="square" lIns="91440" tIns="45720" rIns="91440" bIns="45720" numCol="1" anchor="t" anchorCtr="0" compatLnSpc="1">
@@ -14694,7 +14680,6 @@
             <a:ln>
               <a:noFill/>
             </a:ln>
-            <a:extLst/>
           </p:spPr>
           <p:txBody>
             <a:bodyPr vert="horz" wrap="square" lIns="91440" tIns="45720" rIns="91440" bIns="45720" numCol="1" anchor="t" anchorCtr="0" compatLnSpc="1">
@@ -14808,7 +14793,6 @@
             <a:ln>
               <a:noFill/>
             </a:ln>
-            <a:extLst/>
           </p:spPr>
           <p:txBody>
             <a:bodyPr vert="horz" wrap="square" lIns="91440" tIns="45720" rIns="91440" bIns="45720" numCol="1" anchor="t" anchorCtr="0" compatLnSpc="1">
@@ -15121,7 +15105,6 @@
             <a:ln>
               <a:noFill/>
             </a:ln>
-            <a:extLst/>
           </p:spPr>
           <p:txBody>
             <a:bodyPr vert="horz" wrap="square" lIns="91440" tIns="45720" rIns="91440" bIns="45720" numCol="1" anchor="t" anchorCtr="0" compatLnSpc="1">
@@ -15262,7 +15245,6 @@
             <a:ln>
               <a:noFill/>
             </a:ln>
-            <a:extLst/>
           </p:spPr>
           <p:txBody>
             <a:bodyPr vert="horz" wrap="square" lIns="91440" tIns="45720" rIns="91440" bIns="45720" numCol="1" anchor="t" anchorCtr="0" compatLnSpc="1">
@@ -15747,7 +15729,6 @@
               <a:ln>
                 <a:noFill/>
               </a:ln>
-              <a:extLst/>
             </p:spPr>
             <p:txBody>
               <a:bodyPr vert="horz" wrap="square" lIns="91440" tIns="45720" rIns="91440" bIns="45720" numCol="1" anchor="t" anchorCtr="0" compatLnSpc="1">
@@ -15851,7 +15832,6 @@
               <a:ln>
                 <a:noFill/>
               </a:ln>
-              <a:extLst/>
             </p:spPr>
             <p:txBody>
               <a:bodyPr vert="horz" wrap="square" lIns="91440" tIns="45720" rIns="91440" bIns="45720" numCol="1" anchor="t" anchorCtr="0" compatLnSpc="1">
@@ -16171,7 +16151,6 @@
               <a:ln>
                 <a:noFill/>
               </a:ln>
-              <a:extLst/>
             </p:spPr>
             <p:txBody>
               <a:bodyPr vert="horz" wrap="square" lIns="91440" tIns="45720" rIns="91440" bIns="45720" numCol="1" anchor="t" anchorCtr="0" compatLnSpc="1">
@@ -16492,7 +16471,6 @@
               <a:ln>
                 <a:noFill/>
               </a:ln>
-              <a:extLst/>
             </p:spPr>
             <p:txBody>
               <a:bodyPr vert="horz" wrap="square" lIns="91440" tIns="45720" rIns="91440" bIns="45720" numCol="1" anchor="t" anchorCtr="0" compatLnSpc="1">
@@ -16596,7 +16574,6 @@
               <a:ln>
                 <a:noFill/>
               </a:ln>
-              <a:extLst/>
             </p:spPr>
             <p:txBody>
               <a:bodyPr vert="horz" wrap="square" lIns="91440" tIns="45720" rIns="91440" bIns="45720" numCol="1" anchor="t" anchorCtr="0" compatLnSpc="1">
@@ -17887,7 +17864,6 @@
             <a:ln>
               <a:noFill/>
             </a:ln>
-            <a:extLst/>
           </p:spPr>
           <p:txBody>
             <a:bodyPr vert="horz" wrap="square" lIns="91440" tIns="45720" rIns="91440" bIns="45720" numCol="1" anchor="t" anchorCtr="0" compatLnSpc="1">
@@ -25030,7 +25006,6 @@
             <a:ln>
               <a:noFill/>
             </a:ln>
-            <a:extLst/>
           </p:spPr>
           <p:txBody>
             <a:bodyPr vert="horz" wrap="square" lIns="91440" tIns="45720" rIns="91440" bIns="45720" numCol="1" anchor="t" anchorCtr="0" compatLnSpc="1">
@@ -25144,7 +25119,6 @@
             <a:ln>
               <a:noFill/>
             </a:ln>
-            <a:extLst/>
           </p:spPr>
           <p:txBody>
             <a:bodyPr vert="horz" wrap="square" lIns="91440" tIns="45720" rIns="91440" bIns="45720" numCol="1" anchor="t" anchorCtr="0" compatLnSpc="1">
@@ -25457,7 +25431,6 @@
             <a:ln>
               <a:noFill/>
             </a:ln>
-            <a:extLst/>
           </p:spPr>
           <p:txBody>
             <a:bodyPr vert="horz" wrap="square" lIns="91440" tIns="45720" rIns="91440" bIns="45720" numCol="1" anchor="t" anchorCtr="0" compatLnSpc="1">
@@ -25598,7 +25571,6 @@
             <a:ln>
               <a:noFill/>
             </a:ln>
-            <a:extLst/>
           </p:spPr>
           <p:txBody>
             <a:bodyPr vert="horz" wrap="square" lIns="91440" tIns="45720" rIns="91440" bIns="45720" numCol="1" anchor="t" anchorCtr="0" compatLnSpc="1">
@@ -26083,7 +26055,6 @@
               <a:ln>
                 <a:noFill/>
               </a:ln>
-              <a:extLst/>
             </p:spPr>
             <p:txBody>
               <a:bodyPr vert="horz" wrap="square" lIns="91440" tIns="45720" rIns="91440" bIns="45720" numCol="1" anchor="t" anchorCtr="0" compatLnSpc="1">
@@ -26187,7 +26158,6 @@
               <a:ln>
                 <a:noFill/>
               </a:ln>
-              <a:extLst/>
             </p:spPr>
             <p:txBody>
               <a:bodyPr vert="horz" wrap="square" lIns="91440" tIns="45720" rIns="91440" bIns="45720" numCol="1" anchor="t" anchorCtr="0" compatLnSpc="1">
@@ -26507,7 +26477,6 @@
               <a:ln>
                 <a:noFill/>
               </a:ln>
-              <a:extLst/>
             </p:spPr>
             <p:txBody>
               <a:bodyPr vert="horz" wrap="square" lIns="91440" tIns="45720" rIns="91440" bIns="45720" numCol="1" anchor="t" anchorCtr="0" compatLnSpc="1">
@@ -26828,7 +26797,6 @@
               <a:ln>
                 <a:noFill/>
               </a:ln>
-              <a:extLst/>
             </p:spPr>
             <p:txBody>
               <a:bodyPr vert="horz" wrap="square" lIns="91440" tIns="45720" rIns="91440" bIns="45720" numCol="1" anchor="t" anchorCtr="0" compatLnSpc="1">
@@ -26932,7 +26900,6 @@
               <a:ln>
                 <a:noFill/>
               </a:ln>
-              <a:extLst/>
             </p:spPr>
             <p:txBody>
               <a:bodyPr vert="horz" wrap="square" lIns="91440" tIns="45720" rIns="91440" bIns="45720" numCol="1" anchor="t" anchorCtr="0" compatLnSpc="1">
@@ -28223,7 +28190,6 @@
             <a:ln>
               <a:noFill/>
             </a:ln>
-            <a:extLst/>
           </p:spPr>
           <p:txBody>
             <a:bodyPr vert="horz" wrap="square" lIns="91440" tIns="45720" rIns="91440" bIns="45720" numCol="1" anchor="t" anchorCtr="0" compatLnSpc="1">
@@ -40064,11 +40030,11 @@
   <p:clrMapOvr>
     <a:masterClrMapping/>
   </p:clrMapOvr>
-  <mc:AlternateContent xmlns:mc="http://schemas.openxmlformats.org/markup-compatibility/2006">
-    <mc:Choice xmlns:p14="http://schemas.microsoft.com/office/powerpoint/2010/main" Requires="p14">
+  <mc:AlternateContent xmlns:mc="http://schemas.openxmlformats.org/markup-compatibility/2006" xmlns:p14="http://schemas.microsoft.com/office/powerpoint/2010/main">
+    <mc:Choice Requires="p14">
       <p:transition p14:dur="0"/>
     </mc:Choice>
-    <mc:Fallback>
+    <mc:Fallback xmlns="">
       <p:transition/>
     </mc:Fallback>
   </mc:AlternateContent>
@@ -40137,7 +40103,9 @@
             <a:r>
               <a:rPr lang="en-US" dirty="0">
                 <a:solidFill>
-                  <a:srgbClr val="00B050"/>
+                  <a:schemeClr val="tx2">
+                    <a:lumMod val="75000"/>
+                  </a:schemeClr>
                 </a:solidFill>
               </a:rPr>
               <a:t># This is a comment in my code it does nothing</a:t>
@@ -40430,11 +40398,11 @@
   <p:clrMapOvr>
     <a:masterClrMapping/>
   </p:clrMapOvr>
-  <mc:AlternateContent xmlns:mc="http://schemas.openxmlformats.org/markup-compatibility/2006">
-    <mc:Choice xmlns:p14="http://schemas.microsoft.com/office/powerpoint/2010/main" Requires="p14">
+  <mc:AlternateContent xmlns:mc="http://schemas.openxmlformats.org/markup-compatibility/2006" xmlns:p14="http://schemas.microsoft.com/office/powerpoint/2010/main">
+    <mc:Choice Requires="p14">
       <p:transition p14:dur="0"/>
     </mc:Choice>
-    <mc:Fallback>
+    <mc:Fallback xmlns="">
       <p:transition/>
     </mc:Fallback>
   </mc:AlternateContent>
@@ -40581,7 +40549,9 @@
             <a:r>
               <a:rPr lang="en-US" dirty="0">
                 <a:solidFill>
-                  <a:srgbClr val="00B050"/>
+                  <a:schemeClr val="tx2">
+                    <a:lumMod val="75000"/>
+                  </a:schemeClr>
                 </a:solidFill>
               </a:rPr>
               <a:t># This is a comment in my code it does nothing</a:t>
@@ -40591,7 +40561,9 @@
             <a:r>
               <a:rPr lang="en-US" dirty="0">
                 <a:solidFill>
-                  <a:srgbClr val="00B050"/>
+                  <a:schemeClr val="tx2">
+                    <a:lumMod val="75000"/>
+                  </a:schemeClr>
                 </a:solidFill>
               </a:rPr>
               <a:t># print('Hello world')</a:t>
@@ -40601,7 +40573,9 @@
             <a:r>
               <a:rPr lang="en-US" dirty="0">
                 <a:solidFill>
-                  <a:srgbClr val="00B050"/>
+                  <a:schemeClr val="tx2">
+                    <a:lumMod val="75000"/>
+                  </a:schemeClr>
                 </a:solidFill>
               </a:rPr>
               <a:t># print("Hello world")</a:t>
@@ -40611,7 +40585,9 @@
             <a:r>
               <a:rPr lang="en-US" dirty="0">
                 <a:solidFill>
-                  <a:srgbClr val="00B050"/>
+                  <a:schemeClr val="tx2">
+                    <a:lumMod val="75000"/>
+                  </a:schemeClr>
                 </a:solidFill>
               </a:rPr>
               <a:t># No output will be displayed!</a:t>
@@ -40901,11 +40877,11 @@
   <p:clrMapOvr>
     <a:masterClrMapping/>
   </p:clrMapOvr>
-  <mc:AlternateContent xmlns:mc="http://schemas.openxmlformats.org/markup-compatibility/2006">
-    <mc:Choice xmlns:p14="http://schemas.microsoft.com/office/powerpoint/2010/main" Requires="p14">
+  <mc:AlternateContent xmlns:mc="http://schemas.openxmlformats.org/markup-compatibility/2006" xmlns:p14="http://schemas.microsoft.com/office/powerpoint/2010/main">
+    <mc:Choice Requires="p14">
       <p:transition p14:dur="0"/>
     </mc:Choice>
-    <mc:Fallback>
+    <mc:Fallback xmlns="">
       <p:transition/>
     </mc:Fallback>
   </mc:AlternateContent>
@@ -41046,21 +41022,20 @@
         </p:nvSpPr>
         <p:spPr>
           <a:xfrm>
-            <a:off x="365759" y="1371600"/>
-            <a:ext cx="12177077" cy="2188291"/>
+            <a:off x="427037" y="1829113"/>
+            <a:ext cx="12177077" cy="1668149"/>
           </a:xfrm>
         </p:spPr>
         <p:txBody>
           <a:bodyPr/>
           <a:lstStyle/>
           <a:p>
-            <a:endParaRPr lang="en-US" dirty="0"/>
-          </a:p>
-          <a:p>
             <a:r>
               <a:rPr lang="en-US" dirty="0">
                 <a:solidFill>
-                  <a:srgbClr val="00B050"/>
+                  <a:schemeClr val="tx2">
+                    <a:lumMod val="75000"/>
+                  </a:schemeClr>
                 </a:solidFill>
               </a:rPr>
               <a:t># Enable PIN check as listed in</a:t>
@@ -41070,7 +41045,9 @@
             <a:r>
               <a:rPr lang="en-US" dirty="0">
                 <a:solidFill>
-                  <a:srgbClr val="00B050"/>
+                  <a:schemeClr val="tx2">
+                    <a:lumMod val="75000"/>
+                  </a:schemeClr>
                 </a:solidFill>
               </a:rPr>
               <a:t># security requirements</a:t>
@@ -41106,11 +41083,11 @@
   <p:clrMapOvr>
     <a:masterClrMapping/>
   </p:clrMapOvr>
-  <mc:AlternateContent xmlns:mc="http://schemas.openxmlformats.org/markup-compatibility/2006">
-    <mc:Choice xmlns:p14="http://schemas.microsoft.com/office/powerpoint/2010/main" Requires="p14">
+  <mc:AlternateContent xmlns:mc="http://schemas.openxmlformats.org/markup-compatibility/2006" xmlns:p14="http://schemas.microsoft.com/office/powerpoint/2010/main">
+    <mc:Choice Requires="p14">
       <p:transition p14:dur="0"/>
     </mc:Choice>
-    <mc:Fallback>
+    <mc:Fallback xmlns="">
       <p:transition/>
     </mc:Fallback>
   </mc:AlternateContent>
@@ -41173,21 +41150,20 @@
         </p:nvSpPr>
         <p:spPr>
           <a:xfrm>
-            <a:off x="365759" y="1371600"/>
-            <a:ext cx="12177077" cy="2708434"/>
+            <a:off x="365759" y="1842371"/>
+            <a:ext cx="12177077" cy="2188291"/>
           </a:xfrm>
         </p:spPr>
         <p:txBody>
           <a:bodyPr/>
           <a:lstStyle/>
           <a:p>
-            <a:endParaRPr lang="en-US" dirty="0"/>
-          </a:p>
-          <a:p>
             <a:r>
               <a:rPr lang="en-US" dirty="0">
                 <a:solidFill>
-                  <a:srgbClr val="00B050"/>
+                  <a:schemeClr val="tx2">
+                    <a:lumMod val="75000"/>
+                  </a:schemeClr>
                 </a:solidFill>
               </a:rPr>
               <a:t># Using double quotes for this string because </a:t>
@@ -41197,7 +41173,9 @@
             <a:r>
               <a:rPr lang="en-US" dirty="0">
                 <a:solidFill>
-                  <a:srgbClr val="00B050"/>
+                  <a:schemeClr val="tx2">
+                    <a:lumMod val="75000"/>
+                  </a:schemeClr>
                 </a:solidFill>
               </a:rPr>
               <a:t># the string itself contains a single quote</a:t>
@@ -41533,11 +41511,11 @@
   <p:clrMapOvr>
     <a:masterClrMapping/>
   </p:clrMapOvr>
-  <mc:AlternateContent xmlns:mc="http://schemas.openxmlformats.org/markup-compatibility/2006">
-    <mc:Choice xmlns:p14="http://schemas.microsoft.com/office/powerpoint/2010/main" Requires="p14">
+  <mc:AlternateContent xmlns:mc="http://schemas.openxmlformats.org/markup-compatibility/2006" xmlns:p14="http://schemas.microsoft.com/office/powerpoint/2010/main">
+    <mc:Choice Requires="p14">
       <p:transition p14:dur="0"/>
     </mc:Choice>
-    <mc:Fallback>
+    <mc:Fallback xmlns="">
       <p:transition/>
     </mc:Fallback>
   </mc:AlternateContent>
@@ -41673,33 +41651,38 @@
         </p:nvSpPr>
         <p:spPr>
           <a:xfrm>
-            <a:off x="365760" y="1371600"/>
-            <a:ext cx="11704320" cy="3748719"/>
+            <a:off x="365760" y="2604371"/>
+            <a:ext cx="11704320" cy="2188291"/>
           </a:xfrm>
         </p:spPr>
         <p:txBody>
           <a:bodyPr/>
           <a:lstStyle/>
           <a:p>
-            <a:endParaRPr lang="en-US" dirty="0"/>
-          </a:p>
-          <a:p>
-            <a:endParaRPr lang="en-US" dirty="0"/>
-          </a:p>
-          <a:p>
-            <a:endParaRPr lang="en-US" dirty="0"/>
-          </a:p>
-          <a:p>
             <a:r>
               <a:rPr lang="en-US" dirty="0"/>
-              <a:t>print('Hello world')</a:t>
+              <a:t>print(</a:t>
+            </a:r>
+            <a:r>
+              <a:rPr lang="en-US" dirty="0">
+                <a:solidFill>
+                  <a:srgbClr val="C00000"/>
+                </a:solidFill>
+              </a:rPr>
+              <a:t>'Hello world'</a:t>
+            </a:r>
+            <a:r>
+              <a:rPr lang="en-US" dirty="0"/>
+              <a:t>)</a:t>
             </a:r>
           </a:p>
           <a:p>
             <a:r>
               <a:rPr lang="en-US" dirty="0">
                 <a:solidFill>
-                  <a:srgbClr val="00B050"/>
+                  <a:schemeClr val="tx2">
+                    <a:lumMod val="75000"/>
+                  </a:schemeClr>
                 </a:solidFill>
               </a:rPr>
               <a:t># print('It's a small world after all')</a:t>
@@ -42008,11 +41991,11 @@
   <p:clrMapOvr>
     <a:masterClrMapping/>
   </p:clrMapOvr>
-  <mc:AlternateContent xmlns:mc="http://schemas.openxmlformats.org/markup-compatibility/2006">
-    <mc:Choice xmlns:p14="http://schemas.microsoft.com/office/powerpoint/2010/main" Requires="p14">
+  <mc:AlternateContent xmlns:mc="http://schemas.openxmlformats.org/markup-compatibility/2006" xmlns:p14="http://schemas.microsoft.com/office/powerpoint/2010/main">
+    <mc:Choice Requires="p14">
       <p:transition p14:dur="0"/>
     </mc:Choice>
-    <mc:Fallback>
+    <mc:Fallback xmlns="">
       <p:transition/>
     </mc:Fallback>
   </mc:AlternateContent>
@@ -42124,11 +42107,11 @@
   <p:clrMapOvr>
     <a:masterClrMapping/>
   </p:clrMapOvr>
-  <mc:AlternateContent xmlns:mc="http://schemas.openxmlformats.org/markup-compatibility/2006">
-    <mc:Choice xmlns:p14="http://schemas.microsoft.com/office/powerpoint/2010/main" Requires="p14">
+  <mc:AlternateContent xmlns:mc="http://schemas.openxmlformats.org/markup-compatibility/2006" xmlns:p14="http://schemas.microsoft.com/office/powerpoint/2010/main">
+    <mc:Choice Requires="p14">
       <p:transition p14:dur="0"/>
     </mc:Choice>
-    <mc:Fallback>
+    <mc:Fallback xmlns="">
       <p:transition/>
     </mc:Fallback>
   </mc:AlternateContent>
@@ -43238,12 +43221,9 @@
 </file>
 
 <file path=customXml/item1.xml><?xml version="1.0" encoding="utf-8"?>
-<?mso-contentType ?>
-<FormTemplates xmlns="http://schemas.microsoft.com/sharepoint/v3/contenttype/forms">
-  <Display>DocumentLibraryForm</Display>
-  <Edit>DocumentLibraryForm</Edit>
-  <New>DocumentLibraryForm</New>
-</FormTemplates>
+<Control xmlns="http://schemas.microsoft.com/VisualStudio/2011/storyboarding/control">
+  <Id Name="d69996e1-3d61-4686-9b63-f1b855c596ab" Revision="1" Stencil="7276b9ef-3953-4dce-a89b-ed85f20b8b93" StencilVersion="1.0"/>
+</Control>
 </file>
 
 <file path=customXml/item10.xml><?xml version="1.0" encoding="utf-8"?>
@@ -43253,57 +43233,6 @@
 </file>
 
 <file path=customXml/item11.xml><?xml version="1.0" encoding="utf-8"?>
-<Control xmlns="http://schemas.microsoft.com/VisualStudio/2011/storyboarding/control">
-  <Id Name="d69996e1-3d61-4686-9b63-f1b855c596ab" Revision="1" Stencil="7276b9ef-3953-4dce-a89b-ed85f20b8b93" StencilVersion="1.0"/>
-</Control>
-</file>
-
-<file path=customXml/item12.xml><?xml version="1.0" encoding="utf-8"?>
-<Control xmlns="http://schemas.microsoft.com/VisualStudio/2011/storyboarding/control">
-  <Id Name="fb22c541-ded0-47fa-8877-83a4c2d16227" Revision="1" Stencil="7276b9ef-3953-4dce-a89b-ed85f20b8b93" StencilVersion="1.0"/>
-</Control>
-</file>
-
-<file path=customXml/item13.xml><?xml version="1.0" encoding="utf-8"?>
-<Control xmlns="http://schemas.microsoft.com/VisualStudio/2011/storyboarding/control">
-  <Id Name="369f9055-6b6c-48b9-9320-5df2d46c430a" Revision="1" Stencil="7276b9ef-3953-4dce-a89b-ed85f20b8b93" StencilVersion="1.0"/>
-</Control>
-</file>
-
-<file path=customXml/item14.xml><?xml version="1.0" encoding="utf-8"?>
-<Control xmlns="http://schemas.microsoft.com/VisualStudio/2011/storyboarding/control">
-  <Id Name="369f9055-6b6c-48b9-9320-5df2d46c430a" Revision="1" Stencil="7276b9ef-3953-4dce-a89b-ed85f20b8b93" StencilVersion="1.0"/>
-</Control>
-</file>
-
-<file path=customXml/item15.xml><?xml version="1.0" encoding="utf-8"?>
-<Control xmlns="http://schemas.microsoft.com/VisualStudio/2011/storyboarding/control">
-  <Id Name="a53d73d2-368b-429e-b817-1324eec1382c" Revision="1" Stencil="7276b9ef-3953-4dce-a89b-ed85f20b8b93" StencilVersion="1.0"/>
-</Control>
-</file>
-
-<file path=customXml/item16.xml><?xml version="1.0" encoding="utf-8"?>
-<Control xmlns="http://schemas.microsoft.com/VisualStudio/2011/storyboarding/control">
-  <Id Name="a53d73d2-368b-429e-b817-1324eec1382c" Revision="1" Stencil="7276b9ef-3953-4dce-a89b-ed85f20b8b93" StencilVersion="1.0"/>
-</Control>
-</file>
-
-<file path=customXml/item17.xml><?xml version="1.0" encoding="utf-8"?>
-<Control xmlns="http://schemas.microsoft.com/VisualStudio/2011/storyboarding/control">
-  <Id Name="369f9055-6b6c-48b9-9320-5df2d46c430a" Revision="1" Stencil="7276b9ef-3953-4dce-a89b-ed85f20b8b93" StencilVersion="1.0"/>
-</Control>
-</file>
-
-<file path=customXml/item18.xml><?xml version="1.0" encoding="utf-8"?>
-<?mso-contentType ?>
-<FormTemplates xmlns="http://schemas.microsoft.com/sharepoint/v3/contenttype/forms">
-  <Display>DocumentLibraryForm</Display>
-  <Edit>DocumentLibraryForm</Edit>
-  <New>DocumentLibraryForm</New>
-</FormTemplates>
-</file>
-
-<file path=customXml/item19.xml><?xml version="1.0" encoding="utf-8"?>
 <ct:contentTypeSchema xmlns:ct="http://schemas.microsoft.com/office/2006/metadata/contentType" xmlns:ma="http://schemas.microsoft.com/office/2006/metadata/properties/metaAttributes" ct:_="" ma:_="" ma:contentTypeName="Document" ma:contentTypeID="0x010100674EDBEC711BD14FBA6FF5C10FEFEAC7" ma:contentTypeVersion="2" ma:contentTypeDescription="Create a new document." ma:contentTypeScope="" ma:versionID="2439c5e21841780d4f192983b535a097">
   <xsd:schema xmlns:xsd="http://www.w3.org/2001/XMLSchema" xmlns:xs="http://www.w3.org/2001/XMLSchema" xmlns:p="http://schemas.microsoft.com/office/2006/metadata/properties" xmlns:ns2="83cd2334-221a-48c3-9034-bfd1542dfe28" targetNamespace="http://schemas.microsoft.com/office/2006/metadata/properties" ma:root="true" ma:fieldsID="2bca9163d8d0b233c3086236a9289b04" ns2:_="">
     <xsd:import namespace="83cd2334-221a-48c3-9034-bfd1542dfe28"/>
@@ -43451,6 +43380,90 @@
 </ct:contentTypeSchema>
 </file>
 
+<file path=customXml/item12.xml><?xml version="1.0" encoding="utf-8"?>
+<p:properties xmlns:p="http://schemas.microsoft.com/office/2006/metadata/properties" xmlns:xsi="http://www.w3.org/2001/XMLSchema-instance" xmlns:pc="http://schemas.microsoft.com/office/infopath/2007/PartnerControls">
+  <documentManagement>
+    <SharedWithUsers xmlns="83cd2334-221a-48c3-9034-bfd1542dfe28">
+      <UserInfo>
+        <DisplayName>Gilad Turbahn</DisplayName>
+        <AccountId>511</AccountId>
+        <AccountType/>
+      </UserInfo>
+      <UserInfo>
+        <DisplayName>Keith Boyd</DisplayName>
+        <AccountId>993</AccountId>
+        <AccountType/>
+      </UserInfo>
+      <UserInfo>
+        <DisplayName>Christopher Harrison</DisplayName>
+        <AccountId>1176</AccountId>
+        <AccountType/>
+      </UserInfo>
+    </SharedWithUsers>
+  </documentManagement>
+</p:properties>
+</file>
+
+<file path=customXml/item13.xml><?xml version="1.0" encoding="utf-8"?>
+<p:properties xmlns:p="http://schemas.microsoft.com/office/2006/metadata/properties" xmlns:xsi="http://www.w3.org/2001/XMLSchema-instance" xmlns:pc="http://schemas.microsoft.com/office/infopath/2007/PartnerControls">
+  <documentManagement>
+    <SharedWithUsers xmlns="83cd2334-221a-48c3-9034-bfd1542dfe28">
+      <UserInfo>
+        <DisplayName>Gilad Turbahn</DisplayName>
+        <AccountId>511</AccountId>
+        <AccountType/>
+      </UserInfo>
+      <UserInfo>
+        <DisplayName>Keith Boyd</DisplayName>
+        <AccountId>993</AccountId>
+        <AccountType/>
+      </UserInfo>
+      <UserInfo>
+        <DisplayName>Christopher Harrison</DisplayName>
+        <AccountId>1176</AccountId>
+        <AccountType/>
+      </UserInfo>
+    </SharedWithUsers>
+  </documentManagement>
+</p:properties>
+</file>
+
+<file path=customXml/item14.xml><?xml version="1.0" encoding="utf-8"?>
+<Control xmlns="http://schemas.microsoft.com/VisualStudio/2011/storyboarding/control">
+  <Id Name="369f9055-6b6c-48b9-9320-5df2d46c430a" Revision="1" Stencil="7276b9ef-3953-4dce-a89b-ed85f20b8b93" StencilVersion="1.0"/>
+</Control>
+</file>
+
+<file path=customXml/item15.xml><?xml version="1.0" encoding="utf-8"?>
+<Control xmlns="http://schemas.microsoft.com/VisualStudio/2011/storyboarding/control">
+  <Id Name="d69996e1-3d61-4686-9b63-f1b855c596ab" Revision="1" Stencil="7276b9ef-3953-4dce-a89b-ed85f20b8b93" StencilVersion="1.0"/>
+</Control>
+</file>
+
+<file path=customXml/item16.xml><?xml version="1.0" encoding="utf-8"?>
+<Control xmlns="http://schemas.microsoft.com/VisualStudio/2011/storyboarding/control">
+  <Id Name="369f9055-6b6c-48b9-9320-5df2d46c430a" Revision="1" Stencil="7276b9ef-3953-4dce-a89b-ed85f20b8b93" StencilVersion="1.0"/>
+</Control>
+</file>
+
+<file path=customXml/item17.xml><?xml version="1.0" encoding="utf-8"?>
+<Control xmlns="http://schemas.microsoft.com/VisualStudio/2011/storyboarding/control">
+  <Id Name="a53d73d2-368b-429e-b817-1324eec1382c" Revision="1" Stencil="7276b9ef-3953-4dce-a89b-ed85f20b8b93" StencilVersion="1.0"/>
+</Control>
+</file>
+
+<file path=customXml/item18.xml><?xml version="1.0" encoding="utf-8"?>
+<Control xmlns="http://schemas.microsoft.com/VisualStudio/2011/storyboarding/control">
+  <Id Name="a2191c86-fc50-4add-948c-129f6b5a88d8" Revision="1" Stencil="7276b9ef-3953-4dce-a89b-ed85f20b8b93" StencilVersion="1.0"/>
+</Control>
+</file>
+
+<file path=customXml/item19.xml><?xml version="1.0" encoding="utf-8"?>
+<Control xmlns="http://schemas.microsoft.com/VisualStudio/2011/storyboarding/control">
+  <Id Name="a2191c86-fc50-4add-948c-129f6b5a88d8" Revision="1" Stencil="7276b9ef-3953-4dce-a89b-ed85f20b8b93" StencilVersion="1.0"/>
+</Control>
+</file>
+
 <file path=customXml/item2.xml><?xml version="1.0" encoding="utf-8"?>
 <p:properties xmlns:p="http://schemas.microsoft.com/office/2006/metadata/properties" xmlns:xsi="http://www.w3.org/2001/XMLSchema-instance" xmlns:pc="http://schemas.microsoft.com/office/infopath/2007/PartnerControls">
   <documentManagement>
@@ -43476,12 +43489,102 @@
 </file>
 
 <file path=customXml/item20.xml><?xml version="1.0" encoding="utf-8"?>
+<?mso-contentType ?>
+<FormTemplates xmlns="http://schemas.microsoft.com/sharepoint/v3/contenttype/forms">
+  <Display>DocumentLibraryForm</Display>
+  <Edit>DocumentLibraryForm</Edit>
+  <New>DocumentLibraryForm</New>
+</FormTemplates>
+</file>
+
+<file path=customXml/item21.xml><?xml version="1.0" encoding="utf-8"?>
 <Control xmlns="http://schemas.microsoft.com/VisualStudio/2011/storyboarding/control">
   <Id Name="fb22c541-ded0-47fa-8877-83a4c2d16227" Revision="1" Stencil="7276b9ef-3953-4dce-a89b-ed85f20b8b93" StencilVersion="1.0"/>
 </Control>
 </file>
 
-<file path=customXml/item21.xml><?xml version="1.0" encoding="utf-8"?>
+<file path=customXml/item22.xml><?xml version="1.0" encoding="utf-8"?>
+<Control xmlns="http://schemas.microsoft.com/VisualStudio/2011/storyboarding/control">
+  <Id Name="369f9055-6b6c-48b9-9320-5df2d46c430a" Revision="1" Stencil="7276b9ef-3953-4dce-a89b-ed85f20b8b93" StencilVersion="1.0"/>
+</Control>
+</file>
+
+<file path=customXml/item23.xml><?xml version="1.0" encoding="utf-8"?>
+<Control xmlns="http://schemas.microsoft.com/VisualStudio/2011/storyboarding/control">
+  <Id Name="fb22c541-ded0-47fa-8877-83a4c2d16227" Revision="1" Stencil="7276b9ef-3953-4dce-a89b-ed85f20b8b93" StencilVersion="1.0"/>
+</Control>
+</file>
+
+<file path=customXml/item24.xml><?xml version="1.0" encoding="utf-8"?>
+<Control xmlns="http://schemas.microsoft.com/VisualStudio/2011/storyboarding/control">
+  <Id Name="369f9055-6b6c-48b9-9320-5df2d46c430a" Revision="1" Stencil="7276b9ef-3953-4dce-a89b-ed85f20b8b93" StencilVersion="1.0"/>
+</Control>
+</file>
+
+<file path=customXml/item25.xml><?xml version="1.0" encoding="utf-8"?>
+<Control xmlns="http://schemas.microsoft.com/VisualStudio/2011/storyboarding/control">
+  <Id Name="d69996e1-3d61-4686-9b63-f1b855c596ab" Revision="1" Stencil="7276b9ef-3953-4dce-a89b-ed85f20b8b93" StencilVersion="1.0"/>
+</Control>
+</file>
+
+<file path=customXml/item26.xml><?xml version="1.0" encoding="utf-8"?>
+<Control xmlns="http://schemas.microsoft.com/VisualStudio/2011/storyboarding/control">
+  <Id Name="fb22c541-ded0-47fa-8877-83a4c2d16227" Revision="1" Stencil="7276b9ef-3953-4dce-a89b-ed85f20b8b93" StencilVersion="1.0"/>
+</Control>
+</file>
+
+<file path=customXml/item27.xml><?xml version="1.0" encoding="utf-8"?>
+<Control xmlns="http://schemas.microsoft.com/VisualStudio/2011/storyboarding/control">
+  <Id Name="a2191c86-fc50-4add-948c-129f6b5a88d8" Revision="1" Stencil="7276b9ef-3953-4dce-a89b-ed85f20b8b93" StencilVersion="1.0"/>
+</Control>
+</file>
+
+<file path=customXml/item28.xml><?xml version="1.0" encoding="utf-8"?>
+<?mso-contentType ?>
+<FormTemplates xmlns="http://schemas.microsoft.com/sharepoint/v3/contenttype/forms">
+  <Display>DocumentLibraryForm</Display>
+  <Edit>DocumentLibraryForm</Edit>
+  <New>DocumentLibraryForm</New>
+</FormTemplates>
+</file>
+
+<file path=customXml/item29.xml><?xml version="1.0" encoding="utf-8"?>
+<Control xmlns="http://schemas.microsoft.com/VisualStudio/2011/storyboarding/control">
+  <Id Name="a53d73d2-368b-429e-b817-1324eec1382c" Revision="1" Stencil="7276b9ef-3953-4dce-a89b-ed85f20b8b93" StencilVersion="1.0"/>
+</Control>
+</file>
+
+<file path=customXml/item3.xml><?xml version="1.0" encoding="utf-8"?>
+<Control xmlns="http://schemas.microsoft.com/VisualStudio/2011/storyboarding/control">
+  <Id Name="a53d73d2-368b-429e-b817-1324eec1382c" Revision="1" Stencil="7276b9ef-3953-4dce-a89b-ed85f20b8b93" StencilVersion="1.0"/>
+</Control>
+</file>
+
+<file path=customXml/item30.xml><?xml version="1.0" encoding="utf-8"?>
+<Control xmlns="http://schemas.microsoft.com/VisualStudio/2011/storyboarding/control">
+  <Id Name="a53d73d2-368b-429e-b817-1324eec1382c" Revision="1" Stencil="7276b9ef-3953-4dce-a89b-ed85f20b8b93" StencilVersion="1.0"/>
+</Control>
+</file>
+
+<file path=customXml/item31.xml><?xml version="1.0" encoding="utf-8"?>
+<?mso-contentType ?>
+<FormTemplates xmlns="http://schemas.microsoft.com/sharepoint/v3/contenttype/forms">
+  <Display>DocumentLibraryForm</Display>
+  <Edit>DocumentLibraryForm</Edit>
+  <New>DocumentLibraryForm</New>
+</FormTemplates>
+</file>
+
+<file path=customXml/item32.xml><?xml version="1.0" encoding="utf-8"?>
+<?mso-contentType ?>
+<FormTemplates xmlns="http://schemas.microsoft.com/sharepoint/v3/contenttype/forms">
+  <Display>DocumentLibraryForm</Display>
+  <Edit>DocumentLibraryForm</Edit>
+  <New>DocumentLibraryForm</New>
+</FormTemplates>
+</file>
+
+<file path=customXml/item33.xml><?xml version="1.0" encoding="utf-8"?>
 <p:properties xmlns:p="http://schemas.microsoft.com/office/2006/metadata/properties" xmlns:xsi="http://www.w3.org/2001/XMLSchema-instance" xmlns:pc="http://schemas.microsoft.com/office/infopath/2007/PartnerControls">
   <documentManagement>
     <SharedWithUsers xmlns="83cd2334-221a-48c3-9034-bfd1542dfe28">
@@ -43505,13 +43608,25 @@
 </p:properties>
 </file>
 
-<file path=customXml/item22.xml><?xml version="1.0" encoding="utf-8"?>
+<file path=customXml/item34.xml><?xml version="1.0" encoding="utf-8"?>
 <Control xmlns="http://schemas.microsoft.com/VisualStudio/2011/storyboarding/control">
   <Id Name="d69996e1-3d61-4686-9b63-f1b855c596ab" Revision="1" Stencil="7276b9ef-3953-4dce-a89b-ed85f20b8b93" StencilVersion="1.0"/>
 </Control>
 </file>
 
-<file path=customXml/item23.xml><?xml version="1.0" encoding="utf-8"?>
+<file path=customXml/item35.xml><?xml version="1.0" encoding="utf-8"?>
+<Control xmlns="http://schemas.microsoft.com/VisualStudio/2011/storyboarding/control">
+  <Id Name="369f9055-6b6c-48b9-9320-5df2d46c430a" Revision="1" Stencil="7276b9ef-3953-4dce-a89b-ed85f20b8b93" StencilVersion="1.0"/>
+</Control>
+</file>
+
+<file path=customXml/item36.xml><?xml version="1.0" encoding="utf-8"?>
+<Control xmlns="http://schemas.microsoft.com/VisualStudio/2011/storyboarding/control">
+  <Id Name="369f9055-6b6c-48b9-9320-5df2d46c430a" Revision="1" Stencil="7276b9ef-3953-4dce-a89b-ed85f20b8b93" StencilVersion="1.0"/>
+</Control>
+</file>
+
+<file path=customXml/item37.xml><?xml version="1.0" encoding="utf-8"?>
 <?mso-contentType ?>
 <FormTemplates xmlns="http://schemas.microsoft.com/sharepoint/v3/contenttype/forms">
   <Display>DocumentLibraryForm</Display>
@@ -43520,91 +43635,25 @@
 </FormTemplates>
 </file>
 
-<file path=customXml/item24.xml><?xml version="1.0" encoding="utf-8"?>
+<file path=customXml/item38.xml><?xml version="1.0" encoding="utf-8"?>
 <Control xmlns="http://schemas.microsoft.com/VisualStudio/2011/storyboarding/control">
-  <Id Name="a53d73d2-368b-429e-b817-1324eec1382c" Revision="1" Stencil="7276b9ef-3953-4dce-a89b-ed85f20b8b93" StencilVersion="1.0"/>
+  <Id Name="a2191c86-fc50-4add-948c-129f6b5a88d8" Revision="1" Stencil="7276b9ef-3953-4dce-a89b-ed85f20b8b93" StencilVersion="1.0"/>
 </Control>
 </file>
 
-<file path=customXml/item25.xml><?xml version="1.0" encoding="utf-8"?>
+<file path=customXml/item39.xml><?xml version="1.0" encoding="utf-8"?>
 <Control xmlns="http://schemas.microsoft.com/VisualStudio/2011/storyboarding/control">
   <Id Name="fb22c541-ded0-47fa-8877-83a4c2d16227" Revision="1" Stencil="7276b9ef-3953-4dce-a89b-ed85f20b8b93" StencilVersion="1.0"/>
 </Control>
 </file>
 
-<file path=customXml/item26.xml><?xml version="1.0" encoding="utf-8"?>
-<Control xmlns="http://schemas.microsoft.com/VisualStudio/2011/storyboarding/control">
-  <Id Name="a2191c86-fc50-4add-948c-129f6b5a88d8" Revision="1" Stencil="7276b9ef-3953-4dce-a89b-ed85f20b8b93" StencilVersion="1.0"/>
-</Control>
-</file>
-
-<file path=customXml/item27.xml><?xml version="1.0" encoding="utf-8"?>
-<Control xmlns="http://schemas.microsoft.com/VisualStudio/2011/storyboarding/control">
-  <Id Name="369f9055-6b6c-48b9-9320-5df2d46c430a" Revision="1" Stencil="7276b9ef-3953-4dce-a89b-ed85f20b8b93" StencilVersion="1.0"/>
-</Control>
-</file>
-
-<file path=customXml/item28.xml><?xml version="1.0" encoding="utf-8"?>
-<?mso-contentType ?>
-<FormTemplates xmlns="http://schemas.microsoft.com/sharepoint/v3/contenttype/forms">
-  <Display>DocumentLibraryForm</Display>
-  <Edit>DocumentLibraryForm</Edit>
-  <New>DocumentLibraryForm</New>
-</FormTemplates>
-</file>
-
-<file path=customXml/item29.xml><?xml version="1.0" encoding="utf-8"?>
+<file path=customXml/item4.xml><?xml version="1.0" encoding="utf-8"?>
 <Control xmlns="http://schemas.microsoft.com/VisualStudio/2011/storyboarding/control">
   <Id Name="fb22c541-ded0-47fa-8877-83a4c2d16227" Revision="1" Stencil="7276b9ef-3953-4dce-a89b-ed85f20b8b93" StencilVersion="1.0"/>
 </Control>
 </file>
 
-<file path=customXml/item3.xml><?xml version="1.0" encoding="utf-8"?>
-<?mso-contentType ?>
-<FormTemplates xmlns="http://schemas.microsoft.com/sharepoint/v3/contenttype/forms">
-  <Display>DocumentLibraryForm</Display>
-  <Edit>DocumentLibraryForm</Edit>
-  <New>DocumentLibraryForm</New>
-</FormTemplates>
-</file>
-
-<file path=customXml/item30.xml><?xml version="1.0" encoding="utf-8"?>
-<Control xmlns="http://schemas.microsoft.com/VisualStudio/2011/storyboarding/control">
-  <Id Name="a53d73d2-368b-429e-b817-1324eec1382c" Revision="1" Stencil="7276b9ef-3953-4dce-a89b-ed85f20b8b93" StencilVersion="1.0"/>
-</Control>
-</file>
-
-<file path=customXml/item31.xml><?xml version="1.0" encoding="utf-8"?>
-<Control xmlns="http://schemas.microsoft.com/VisualStudio/2011/storyboarding/control">
-  <Id Name="369f9055-6b6c-48b9-9320-5df2d46c430a" Revision="1" Stencil="7276b9ef-3953-4dce-a89b-ed85f20b8b93" StencilVersion="1.0"/>
-</Control>
-</file>
-
-<file path=customXml/item32.xml><?xml version="1.0" encoding="utf-8"?>
-<Control xmlns="http://schemas.microsoft.com/VisualStudio/2011/storyboarding/control">
-  <Id Name="a53d73d2-368b-429e-b817-1324eec1382c" Revision="1" Stencil="7276b9ef-3953-4dce-a89b-ed85f20b8b93" StencilVersion="1.0"/>
-</Control>
-</file>
-
-<file path=customXml/item33.xml><?xml version="1.0" encoding="utf-8"?>
-<Control xmlns="http://schemas.microsoft.com/VisualStudio/2011/storyboarding/control">
-  <Id Name="369f9055-6b6c-48b9-9320-5df2d46c430a" Revision="1" Stencil="7276b9ef-3953-4dce-a89b-ed85f20b8b93" StencilVersion="1.0"/>
-</Control>
-</file>
-
-<file path=customXml/item34.xml><?xml version="1.0" encoding="utf-8"?>
-<Control xmlns="http://schemas.microsoft.com/VisualStudio/2011/storyboarding/control">
-  <Id Name="fb22c541-ded0-47fa-8877-83a4c2d16227" Revision="1" Stencil="7276b9ef-3953-4dce-a89b-ed85f20b8b93" StencilVersion="1.0"/>
-</Control>
-</file>
-
-<file path=customXml/item35.xml><?xml version="1.0" encoding="utf-8"?>
-<Control xmlns="http://schemas.microsoft.com/VisualStudio/2011/storyboarding/control">
-  <Id Name="a2191c86-fc50-4add-948c-129f6b5a88d8" Revision="1" Stencil="7276b9ef-3953-4dce-a89b-ed85f20b8b93" StencilVersion="1.0"/>
-</Control>
-</file>
-
-<file path=customXml/item36.xml><?xml version="1.0" encoding="utf-8"?>
+<file path=customXml/item40.xml><?xml version="1.0" encoding="utf-8"?>
 <p:properties xmlns:p="http://schemas.microsoft.com/office/2006/metadata/properties" xmlns:xsi="http://www.w3.org/2001/XMLSchema-instance" xmlns:pc="http://schemas.microsoft.com/office/infopath/2007/PartnerControls">
   <documentManagement>
     <SharedWithUsers xmlns="83cd2334-221a-48c3-9034-bfd1542dfe28">
@@ -43628,57 +43677,9 @@
 </p:properties>
 </file>
 
-<file path=customXml/item37.xml><?xml version="1.0" encoding="utf-8"?>
-<Control xmlns="http://schemas.microsoft.com/VisualStudio/2011/storyboarding/control">
-  <Id Name="a2191c86-fc50-4add-948c-129f6b5a88d8" Revision="1" Stencil="7276b9ef-3953-4dce-a89b-ed85f20b8b93" StencilVersion="1.0"/>
-</Control>
-</file>
-
-<file path=customXml/item38.xml><?xml version="1.0" encoding="utf-8"?>
-<Control xmlns="http://schemas.microsoft.com/VisualStudio/2011/storyboarding/control">
-  <Id Name="d69996e1-3d61-4686-9b63-f1b855c596ab" Revision="1" Stencil="7276b9ef-3953-4dce-a89b-ed85f20b8b93" StencilVersion="1.0"/>
-</Control>
-</file>
-
-<file path=customXml/item39.xml><?xml version="1.0" encoding="utf-8"?>
+<file path=customXml/item41.xml><?xml version="1.0" encoding="utf-8"?>
 <Control xmlns="http://schemas.microsoft.com/VisualStudio/2011/storyboarding/control">
   <Id Name="fb22c541-ded0-47fa-8877-83a4c2d16227" Revision="1" Stencil="7276b9ef-3953-4dce-a89b-ed85f20b8b93" StencilVersion="1.0"/>
-</Control>
-</file>
-
-<file path=customXml/item4.xml><?xml version="1.0" encoding="utf-8"?>
-<p:properties xmlns:p="http://schemas.microsoft.com/office/2006/metadata/properties" xmlns:xsi="http://www.w3.org/2001/XMLSchema-instance" xmlns:pc="http://schemas.microsoft.com/office/infopath/2007/PartnerControls">
-  <documentManagement>
-    <SharedWithUsers xmlns="83cd2334-221a-48c3-9034-bfd1542dfe28">
-      <UserInfo>
-        <DisplayName>Gilad Turbahn</DisplayName>
-        <AccountId>511</AccountId>
-        <AccountType/>
-      </UserInfo>
-      <UserInfo>
-        <DisplayName>Keith Boyd</DisplayName>
-        <AccountId>993</AccountId>
-        <AccountType/>
-      </UserInfo>
-      <UserInfo>
-        <DisplayName>Christopher Harrison</DisplayName>
-        <AccountId>1176</AccountId>
-        <AccountType/>
-      </UserInfo>
-    </SharedWithUsers>
-  </documentManagement>
-</p:properties>
-</file>
-
-<file path=customXml/item40.xml><?xml version="1.0" encoding="utf-8"?>
-<Control xmlns="http://schemas.microsoft.com/VisualStudio/2011/storyboarding/control">
-  <Id Name="a2191c86-fc50-4add-948c-129f6b5a88d8" Revision="1" Stencil="7276b9ef-3953-4dce-a89b-ed85f20b8b93" StencilVersion="1.0"/>
-</Control>
-</file>
-
-<file path=customXml/item41.xml><?xml version="1.0" encoding="utf-8"?>
-<Control xmlns="http://schemas.microsoft.com/VisualStudio/2011/storyboarding/control">
-  <Id Name="a2191c86-fc50-4add-948c-129f6b5a88d8" Revision="1" Stencil="7276b9ef-3953-4dce-a89b-ed85f20b8b93" StencilVersion="1.0"/>
 </Control>
 </file>
 
@@ -43696,7 +43697,7 @@
 
 <file path=customXml/item7.xml><?xml version="1.0" encoding="utf-8"?>
 <Control xmlns="http://schemas.microsoft.com/VisualStudio/2011/storyboarding/control">
-  <Id Name="d69996e1-3d61-4686-9b63-f1b855c596ab" Revision="1" Stencil="7276b9ef-3953-4dce-a89b-ed85f20b8b93" StencilVersion="1.0"/>
+  <Id Name="a53d73d2-368b-429e-b817-1324eec1382c" Revision="1" Stencil="7276b9ef-3953-4dce-a89b-ed85f20b8b93" StencilVersion="1.0"/>
 </Control>
 </file>
 
@@ -43707,39 +43708,21 @@
 </file>
 
 <file path=customXml/item9.xml><?xml version="1.0" encoding="utf-8"?>
-<p:properties xmlns:p="http://schemas.microsoft.com/office/2006/metadata/properties" xmlns:xsi="http://www.w3.org/2001/XMLSchema-instance" xmlns:pc="http://schemas.microsoft.com/office/infopath/2007/PartnerControls">
-  <documentManagement>
-    <SharedWithUsers xmlns="83cd2334-221a-48c3-9034-bfd1542dfe28">
-      <UserInfo>
-        <DisplayName>Gilad Turbahn</DisplayName>
-        <AccountId>511</AccountId>
-        <AccountType/>
-      </UserInfo>
-      <UserInfo>
-        <DisplayName>Keith Boyd</DisplayName>
-        <AccountId>993</AccountId>
-        <AccountType/>
-      </UserInfo>
-      <UserInfo>
-        <DisplayName>Christopher Harrison</DisplayName>
-        <AccountId>1176</AccountId>
-        <AccountType/>
-      </UserInfo>
-    </SharedWithUsers>
-  </documentManagement>
-</p:properties>
+<Control xmlns="http://schemas.microsoft.com/VisualStudio/2011/storyboarding/control">
+  <Id Name="a2191c86-fc50-4add-948c-129f6b5a88d8" Revision="1" Stencil="7276b9ef-3953-4dce-a89b-ed85f20b8b93" StencilVersion="1.0"/>
+</Control>
 </file>
 
 <file path=customXml/itemProps1.xml><?xml version="1.0" encoding="utf-8"?>
-<ds:datastoreItem xmlns:ds="http://schemas.openxmlformats.org/officeDocument/2006/customXml" ds:itemID="{DCBF9980-3750-4246-B60B-9031BF3A074C}">
+<ds:datastoreItem xmlns:ds="http://schemas.openxmlformats.org/officeDocument/2006/customXml" ds:itemID="{3DC6CABD-46E1-4C27-A0B3-616DC56F8E5C}">
   <ds:schemaRefs>
-    <ds:schemaRef ds:uri="http://schemas.microsoft.com/sharepoint/v3/contenttype/forms"/>
+    <ds:schemaRef ds:uri="http://schemas.microsoft.com/VisualStudio/2011/storyboarding/control"/>
   </ds:schemaRefs>
 </ds:datastoreItem>
 </file>
 
 <file path=customXml/itemProps10.xml><?xml version="1.0" encoding="utf-8"?>
-<ds:datastoreItem xmlns:ds="http://schemas.openxmlformats.org/officeDocument/2006/customXml" ds:itemID="{67213E6F-7B96-4222-888B-63710B06D885}">
+<ds:datastoreItem xmlns:ds="http://schemas.openxmlformats.org/officeDocument/2006/customXml" ds:itemID="{C63AC2F0-1DEB-4E91-A88A-7A014A172F4F}">
   <ds:schemaRefs>
     <ds:schemaRef ds:uri="http://schemas.microsoft.com/VisualStudio/2011/storyboarding/control"/>
   </ds:schemaRefs>
@@ -43747,70 +43730,6 @@
 </file>
 
 <file path=customXml/itemProps11.xml><?xml version="1.0" encoding="utf-8"?>
-<ds:datastoreItem xmlns:ds="http://schemas.openxmlformats.org/officeDocument/2006/customXml" ds:itemID="{366CA990-F93D-4100-9654-65D9E30F4E1C}">
-  <ds:schemaRefs>
-    <ds:schemaRef ds:uri="http://schemas.microsoft.com/VisualStudio/2011/storyboarding/control"/>
-  </ds:schemaRefs>
-</ds:datastoreItem>
-</file>
-
-<file path=customXml/itemProps12.xml><?xml version="1.0" encoding="utf-8"?>
-<ds:datastoreItem xmlns:ds="http://schemas.openxmlformats.org/officeDocument/2006/customXml" ds:itemID="{D6FEE829-2115-45B4-8110-670FD454542B}">
-  <ds:schemaRefs>
-    <ds:schemaRef ds:uri="http://schemas.microsoft.com/VisualStudio/2011/storyboarding/control"/>
-  </ds:schemaRefs>
-</ds:datastoreItem>
-</file>
-
-<file path=customXml/itemProps13.xml><?xml version="1.0" encoding="utf-8"?>
-<ds:datastoreItem xmlns:ds="http://schemas.openxmlformats.org/officeDocument/2006/customXml" ds:itemID="{08C4EE12-DF69-4FFC-9E40-C7991F3490A6}">
-  <ds:schemaRefs>
-    <ds:schemaRef ds:uri="http://schemas.microsoft.com/VisualStudio/2011/storyboarding/control"/>
-  </ds:schemaRefs>
-</ds:datastoreItem>
-</file>
-
-<file path=customXml/itemProps14.xml><?xml version="1.0" encoding="utf-8"?>
-<ds:datastoreItem xmlns:ds="http://schemas.openxmlformats.org/officeDocument/2006/customXml" ds:itemID="{7959CC6A-F423-4783-B968-3BCC86A7394E}">
-  <ds:schemaRefs>
-    <ds:schemaRef ds:uri="http://schemas.microsoft.com/VisualStudio/2011/storyboarding/control"/>
-  </ds:schemaRefs>
-</ds:datastoreItem>
-</file>
-
-<file path=customXml/itemProps15.xml><?xml version="1.0" encoding="utf-8"?>
-<ds:datastoreItem xmlns:ds="http://schemas.openxmlformats.org/officeDocument/2006/customXml" ds:itemID="{21F6B647-976A-41D0-B760-9DF9DFC6AE3C}">
-  <ds:schemaRefs>
-    <ds:schemaRef ds:uri="http://schemas.microsoft.com/VisualStudio/2011/storyboarding/control"/>
-  </ds:schemaRefs>
-</ds:datastoreItem>
-</file>
-
-<file path=customXml/itemProps16.xml><?xml version="1.0" encoding="utf-8"?>
-<ds:datastoreItem xmlns:ds="http://schemas.openxmlformats.org/officeDocument/2006/customXml" ds:itemID="{ED350DFE-2319-4AB0-BC96-1D36D125365A}">
-  <ds:schemaRefs>
-    <ds:schemaRef ds:uri="http://schemas.microsoft.com/VisualStudio/2011/storyboarding/control"/>
-  </ds:schemaRefs>
-</ds:datastoreItem>
-</file>
-
-<file path=customXml/itemProps17.xml><?xml version="1.0" encoding="utf-8"?>
-<ds:datastoreItem xmlns:ds="http://schemas.openxmlformats.org/officeDocument/2006/customXml" ds:itemID="{42D603BF-B513-4201-A599-21BA0F4FFC40}">
-  <ds:schemaRefs>
-    <ds:schemaRef ds:uri="http://schemas.microsoft.com/VisualStudio/2011/storyboarding/control"/>
-  </ds:schemaRefs>
-</ds:datastoreItem>
-</file>
-
-<file path=customXml/itemProps18.xml><?xml version="1.0" encoding="utf-8"?>
-<ds:datastoreItem xmlns:ds="http://schemas.openxmlformats.org/officeDocument/2006/customXml" ds:itemID="{758FDAC0-319D-4A54-8D8E-1D42CB1F8004}">
-  <ds:schemaRefs>
-    <ds:schemaRef ds:uri="http://schemas.microsoft.com/sharepoint/v3/contenttype/forms"/>
-  </ds:schemaRefs>
-</ds:datastoreItem>
-</file>
-
-<file path=customXml/itemProps19.xml><?xml version="1.0" encoding="utf-8"?>
 <ds:datastoreItem xmlns:ds="http://schemas.openxmlformats.org/officeDocument/2006/customXml" ds:itemID="{11F98F69-7518-4AE2-AE7B-E037DC9DDC97}">
   <ds:schemaRefs>
     <ds:schemaRef ds:uri="http://schemas.microsoft.com/office/2006/metadata/contentType"/>
@@ -43828,6 +43747,74 @@
 </ds:datastoreItem>
 </file>
 
+<file path=customXml/itemProps12.xml><?xml version="1.0" encoding="utf-8"?>
+<ds:datastoreItem xmlns:ds="http://schemas.openxmlformats.org/officeDocument/2006/customXml" ds:itemID="{3389BB8C-5699-43EF-A7BD-5FC20250F288}">
+  <ds:schemaRefs>
+    <ds:schemaRef ds:uri="http://schemas.microsoft.com/office/2006/metadata/properties"/>
+    <ds:schemaRef ds:uri="http://schemas.microsoft.com/office/infopath/2007/PartnerControls"/>
+    <ds:schemaRef ds:uri="83cd2334-221a-48c3-9034-bfd1542dfe28"/>
+  </ds:schemaRefs>
+</ds:datastoreItem>
+</file>
+
+<file path=customXml/itemProps13.xml><?xml version="1.0" encoding="utf-8"?>
+<ds:datastoreItem xmlns:ds="http://schemas.openxmlformats.org/officeDocument/2006/customXml" ds:itemID="{E692D73E-1478-4790-BEEC-C5C534998F40}">
+  <ds:schemaRefs>
+    <ds:schemaRef ds:uri="http://schemas.microsoft.com/office/2006/metadata/properties"/>
+    <ds:schemaRef ds:uri="http://schemas.microsoft.com/office/infopath/2007/PartnerControls"/>
+    <ds:schemaRef ds:uri="83cd2334-221a-48c3-9034-bfd1542dfe28"/>
+  </ds:schemaRefs>
+</ds:datastoreItem>
+</file>
+
+<file path=customXml/itemProps14.xml><?xml version="1.0" encoding="utf-8"?>
+<ds:datastoreItem xmlns:ds="http://schemas.openxmlformats.org/officeDocument/2006/customXml" ds:itemID="{7959CC6A-F423-4783-B968-3BCC86A7394E}">
+  <ds:schemaRefs>
+    <ds:schemaRef ds:uri="http://schemas.microsoft.com/VisualStudio/2011/storyboarding/control"/>
+  </ds:schemaRefs>
+</ds:datastoreItem>
+</file>
+
+<file path=customXml/itemProps15.xml><?xml version="1.0" encoding="utf-8"?>
+<ds:datastoreItem xmlns:ds="http://schemas.openxmlformats.org/officeDocument/2006/customXml" ds:itemID="{0282FB20-2D4C-459D-8468-77D1D3C6925D}">
+  <ds:schemaRefs>
+    <ds:schemaRef ds:uri="http://schemas.microsoft.com/VisualStudio/2011/storyboarding/control"/>
+  </ds:schemaRefs>
+</ds:datastoreItem>
+</file>
+
+<file path=customXml/itemProps16.xml><?xml version="1.0" encoding="utf-8"?>
+<ds:datastoreItem xmlns:ds="http://schemas.openxmlformats.org/officeDocument/2006/customXml" ds:itemID="{38217AA1-CC95-49A9-B284-2ED4D347D7CA}">
+  <ds:schemaRefs>
+    <ds:schemaRef ds:uri="http://schemas.microsoft.com/VisualStudio/2011/storyboarding/control"/>
+  </ds:schemaRefs>
+</ds:datastoreItem>
+</file>
+
+<file path=customXml/itemProps17.xml><?xml version="1.0" encoding="utf-8"?>
+<ds:datastoreItem xmlns:ds="http://schemas.openxmlformats.org/officeDocument/2006/customXml" ds:itemID="{4E805D65-1532-4BB0-8F41-8013167C0009}">
+  <ds:schemaRefs>
+    <ds:schemaRef ds:uri="http://schemas.microsoft.com/VisualStudio/2011/storyboarding/control"/>
+  </ds:schemaRefs>
+</ds:datastoreItem>
+</file>
+
+<file path=customXml/itemProps18.xml><?xml version="1.0" encoding="utf-8"?>
+<ds:datastoreItem xmlns:ds="http://schemas.openxmlformats.org/officeDocument/2006/customXml" ds:itemID="{4B16F4FE-7C26-4443-B426-81998D23ED87}">
+  <ds:schemaRefs>
+    <ds:schemaRef ds:uri="http://schemas.microsoft.com/VisualStudio/2011/storyboarding/control"/>
+  </ds:schemaRefs>
+</ds:datastoreItem>
+</file>
+
+<file path=customXml/itemProps19.xml><?xml version="1.0" encoding="utf-8"?>
+<ds:datastoreItem xmlns:ds="http://schemas.openxmlformats.org/officeDocument/2006/customXml" ds:itemID="{3C954CC5-1CAC-4EC3-9791-8630483065B9}">
+  <ds:schemaRefs>
+    <ds:schemaRef ds:uri="http://schemas.microsoft.com/VisualStudio/2011/storyboarding/control"/>
+  </ds:schemaRefs>
+</ds:datastoreItem>
+</file>
+
 <file path=customXml/itemProps2.xml><?xml version="1.0" encoding="utf-8"?>
 <ds:datastoreItem xmlns:ds="http://schemas.openxmlformats.org/officeDocument/2006/customXml" ds:itemID="{473A6A21-7521-4B81-9336-9B587BA12275}">
   <ds:schemaRefs>
@@ -43839,6 +43826,54 @@
 </file>
 
 <file path=customXml/itemProps20.xml><?xml version="1.0" encoding="utf-8"?>
+<ds:datastoreItem xmlns:ds="http://schemas.openxmlformats.org/officeDocument/2006/customXml" ds:itemID="{1EF25EC2-965B-4491-9691-6B806C9E3B8B}">
+  <ds:schemaRefs>
+    <ds:schemaRef ds:uri="http://schemas.microsoft.com/sharepoint/v3/contenttype/forms"/>
+  </ds:schemaRefs>
+</ds:datastoreItem>
+</file>
+
+<file path=customXml/itemProps21.xml><?xml version="1.0" encoding="utf-8"?>
+<ds:datastoreItem xmlns:ds="http://schemas.openxmlformats.org/officeDocument/2006/customXml" ds:itemID="{D6FEE829-2115-45B4-8110-670FD454542B}">
+  <ds:schemaRefs>
+    <ds:schemaRef ds:uri="http://schemas.microsoft.com/VisualStudio/2011/storyboarding/control"/>
+  </ds:schemaRefs>
+</ds:datastoreItem>
+</file>
+
+<file path=customXml/itemProps22.xml><?xml version="1.0" encoding="utf-8"?>
+<ds:datastoreItem xmlns:ds="http://schemas.openxmlformats.org/officeDocument/2006/customXml" ds:itemID="{42D603BF-B513-4201-A599-21BA0F4FFC40}">
+  <ds:schemaRefs>
+    <ds:schemaRef ds:uri="http://schemas.microsoft.com/VisualStudio/2011/storyboarding/control"/>
+  </ds:schemaRefs>
+</ds:datastoreItem>
+</file>
+
+<file path=customXml/itemProps23.xml><?xml version="1.0" encoding="utf-8"?>
+<ds:datastoreItem xmlns:ds="http://schemas.openxmlformats.org/officeDocument/2006/customXml" ds:itemID="{4C1B3C27-4803-4D72-A3F8-6668A3F0A24B}">
+  <ds:schemaRefs>
+    <ds:schemaRef ds:uri="http://schemas.microsoft.com/VisualStudio/2011/storyboarding/control"/>
+  </ds:schemaRefs>
+</ds:datastoreItem>
+</file>
+
+<file path=customXml/itemProps24.xml><?xml version="1.0" encoding="utf-8"?>
+<ds:datastoreItem xmlns:ds="http://schemas.openxmlformats.org/officeDocument/2006/customXml" ds:itemID="{82DB428A-B8F8-483F-8276-095629A8ECDB}">
+  <ds:schemaRefs>
+    <ds:schemaRef ds:uri="http://schemas.microsoft.com/VisualStudio/2011/storyboarding/control"/>
+  </ds:schemaRefs>
+</ds:datastoreItem>
+</file>
+
+<file path=customXml/itemProps25.xml><?xml version="1.0" encoding="utf-8"?>
+<ds:datastoreItem xmlns:ds="http://schemas.openxmlformats.org/officeDocument/2006/customXml" ds:itemID="{C0F92A87-A216-45A9-B9C0-0515663D35BF}">
+  <ds:schemaRefs>
+    <ds:schemaRef ds:uri="http://schemas.microsoft.com/VisualStudio/2011/storyboarding/control"/>
+  </ds:schemaRefs>
+</ds:datastoreItem>
+</file>
+
+<file path=customXml/itemProps26.xml><?xml version="1.0" encoding="utf-8"?>
 <ds:datastoreItem xmlns:ds="http://schemas.openxmlformats.org/officeDocument/2006/customXml" ds:itemID="{376216F9-AF6B-4844-AE8C-B9F953F916AB}">
   <ds:schemaRefs>
     <ds:schemaRef ds:uri="http://schemas.microsoft.com/VisualStudio/2011/storyboarding/control"/>
@@ -43846,25 +43881,47 @@
 </ds:datastoreItem>
 </file>
 
-<file path=customXml/itemProps21.xml><?xml version="1.0" encoding="utf-8"?>
-<ds:datastoreItem xmlns:ds="http://schemas.openxmlformats.org/officeDocument/2006/customXml" ds:itemID="{F990F116-B58F-4255-B05B-DA3808E0E5C6}">
-  <ds:schemaRefs>
-    <ds:schemaRef ds:uri="http://schemas.microsoft.com/office/2006/metadata/properties"/>
-    <ds:schemaRef ds:uri="http://schemas.microsoft.com/office/infopath/2007/PartnerControls"/>
-    <ds:schemaRef ds:uri="83cd2334-221a-48c3-9034-bfd1542dfe28"/>
-  </ds:schemaRefs>
-</ds:datastoreItem>
-</file>
-
-<file path=customXml/itemProps22.xml><?xml version="1.0" encoding="utf-8"?>
-<ds:datastoreItem xmlns:ds="http://schemas.openxmlformats.org/officeDocument/2006/customXml" ds:itemID="{0282FB20-2D4C-459D-8468-77D1D3C6925D}">
+<file path=customXml/itemProps27.xml><?xml version="1.0" encoding="utf-8"?>
+<ds:datastoreItem xmlns:ds="http://schemas.openxmlformats.org/officeDocument/2006/customXml" ds:itemID="{0B54C583-7BAB-4080-8093-C5F84F5A225A}">
   <ds:schemaRefs>
     <ds:schemaRef ds:uri="http://schemas.microsoft.com/VisualStudio/2011/storyboarding/control"/>
   </ds:schemaRefs>
 </ds:datastoreItem>
 </file>
 
-<file path=customXml/itemProps23.xml><?xml version="1.0" encoding="utf-8"?>
+<file path=customXml/itemProps28.xml><?xml version="1.0" encoding="utf-8"?>
+<ds:datastoreItem xmlns:ds="http://schemas.openxmlformats.org/officeDocument/2006/customXml" ds:itemID="{DCBF9980-3750-4246-B60B-9031BF3A074C}">
+  <ds:schemaRefs>
+    <ds:schemaRef ds:uri="http://schemas.microsoft.com/sharepoint/v3/contenttype/forms"/>
+  </ds:schemaRefs>
+</ds:datastoreItem>
+</file>
+
+<file path=customXml/itemProps29.xml><?xml version="1.0" encoding="utf-8"?>
+<ds:datastoreItem xmlns:ds="http://schemas.openxmlformats.org/officeDocument/2006/customXml" ds:itemID="{8893E80D-6D0C-4E0F-AA22-E5615BB87E5B}">
+  <ds:schemaRefs>
+    <ds:schemaRef ds:uri="http://schemas.microsoft.com/VisualStudio/2011/storyboarding/control"/>
+  </ds:schemaRefs>
+</ds:datastoreItem>
+</file>
+
+<file path=customXml/itemProps3.xml><?xml version="1.0" encoding="utf-8"?>
+<ds:datastoreItem xmlns:ds="http://schemas.openxmlformats.org/officeDocument/2006/customXml" ds:itemID="{ED350DFE-2319-4AB0-BC96-1D36D125365A}">
+  <ds:schemaRefs>
+    <ds:schemaRef ds:uri="http://schemas.microsoft.com/VisualStudio/2011/storyboarding/control"/>
+  </ds:schemaRefs>
+</ds:datastoreItem>
+</file>
+
+<file path=customXml/itemProps30.xml><?xml version="1.0" encoding="utf-8"?>
+<ds:datastoreItem xmlns:ds="http://schemas.openxmlformats.org/officeDocument/2006/customXml" ds:itemID="{21F6B647-976A-41D0-B760-9DF9DFC6AE3C}">
+  <ds:schemaRefs>
+    <ds:schemaRef ds:uri="http://schemas.microsoft.com/VisualStudio/2011/storyboarding/control"/>
+  </ds:schemaRefs>
+</ds:datastoreItem>
+</file>
+
+<file path=customXml/itemProps31.xml><?xml version="1.0" encoding="utf-8"?>
 <ds:datastoreItem xmlns:ds="http://schemas.openxmlformats.org/officeDocument/2006/customXml" ds:itemID="{9360AFB9-8F99-4E1B-878D-F2EBABEB164C}">
   <ds:schemaRefs>
     <ds:schemaRef ds:uri="http://schemas.microsoft.com/sharepoint/v3/contenttype/forms"/>
@@ -43872,39 +43929,7 @@
 </ds:datastoreItem>
 </file>
 
-<file path=customXml/itemProps24.xml><?xml version="1.0" encoding="utf-8"?>
-<ds:datastoreItem xmlns:ds="http://schemas.openxmlformats.org/officeDocument/2006/customXml" ds:itemID="{F68D8396-E21C-4AFF-8FDD-70D00673D0EE}">
-  <ds:schemaRefs>
-    <ds:schemaRef ds:uri="http://schemas.microsoft.com/VisualStudio/2011/storyboarding/control"/>
-  </ds:schemaRefs>
-</ds:datastoreItem>
-</file>
-
-<file path=customXml/itemProps25.xml><?xml version="1.0" encoding="utf-8"?>
-<ds:datastoreItem xmlns:ds="http://schemas.openxmlformats.org/officeDocument/2006/customXml" ds:itemID="{4C1B3C27-4803-4D72-A3F8-6668A3F0A24B}">
-  <ds:schemaRefs>
-    <ds:schemaRef ds:uri="http://schemas.microsoft.com/VisualStudio/2011/storyboarding/control"/>
-  </ds:schemaRefs>
-</ds:datastoreItem>
-</file>
-
-<file path=customXml/itemProps26.xml><?xml version="1.0" encoding="utf-8"?>
-<ds:datastoreItem xmlns:ds="http://schemas.openxmlformats.org/officeDocument/2006/customXml" ds:itemID="{8BD595CA-AC5E-43B9-B966-E468A16E8322}">
-  <ds:schemaRefs>
-    <ds:schemaRef ds:uri="http://schemas.microsoft.com/VisualStudio/2011/storyboarding/control"/>
-  </ds:schemaRefs>
-</ds:datastoreItem>
-</file>
-
-<file path=customXml/itemProps27.xml><?xml version="1.0" encoding="utf-8"?>
-<ds:datastoreItem xmlns:ds="http://schemas.openxmlformats.org/officeDocument/2006/customXml" ds:itemID="{38217AA1-CC95-49A9-B284-2ED4D347D7CA}">
-  <ds:schemaRefs>
-    <ds:schemaRef ds:uri="http://schemas.microsoft.com/VisualStudio/2011/storyboarding/control"/>
-  </ds:schemaRefs>
-</ds:datastoreItem>
-</file>
-
-<file path=customXml/itemProps28.xml><?xml version="1.0" encoding="utf-8"?>
+<file path=customXml/itemProps32.xml><?xml version="1.0" encoding="utf-8"?>
 <ds:datastoreItem xmlns:ds="http://schemas.openxmlformats.org/officeDocument/2006/customXml" ds:itemID="{9CEC36C7-E4F4-4655-9A0A-36FEBA98386B}">
   <ds:schemaRefs>
     <ds:schemaRef ds:uri="http://schemas.microsoft.com/sharepoint/v3/contenttype/forms"/>
@@ -43912,71 +43937,7 @@
 </ds:datastoreItem>
 </file>
 
-<file path=customXml/itemProps29.xml><?xml version="1.0" encoding="utf-8"?>
-<ds:datastoreItem xmlns:ds="http://schemas.openxmlformats.org/officeDocument/2006/customXml" ds:itemID="{432851C6-BC05-4673-B853-6D08AB80CDC4}">
-  <ds:schemaRefs>
-    <ds:schemaRef ds:uri="http://schemas.microsoft.com/VisualStudio/2011/storyboarding/control"/>
-  </ds:schemaRefs>
-</ds:datastoreItem>
-</file>
-
-<file path=customXml/itemProps3.xml><?xml version="1.0" encoding="utf-8"?>
-<ds:datastoreItem xmlns:ds="http://schemas.openxmlformats.org/officeDocument/2006/customXml" ds:itemID="{1EF25EC2-965B-4491-9691-6B806C9E3B8B}">
-  <ds:schemaRefs>
-    <ds:schemaRef ds:uri="http://schemas.microsoft.com/sharepoint/v3/contenttype/forms"/>
-  </ds:schemaRefs>
-</ds:datastoreItem>
-</file>
-
-<file path=customXml/itemProps30.xml><?xml version="1.0" encoding="utf-8"?>
-<ds:datastoreItem xmlns:ds="http://schemas.openxmlformats.org/officeDocument/2006/customXml" ds:itemID="{4E805D65-1532-4BB0-8F41-8013167C0009}">
-  <ds:schemaRefs>
-    <ds:schemaRef ds:uri="http://schemas.microsoft.com/VisualStudio/2011/storyboarding/control"/>
-  </ds:schemaRefs>
-</ds:datastoreItem>
-</file>
-
-<file path=customXml/itemProps31.xml><?xml version="1.0" encoding="utf-8"?>
-<ds:datastoreItem xmlns:ds="http://schemas.openxmlformats.org/officeDocument/2006/customXml" ds:itemID="{FE651ABA-5DC1-4ABD-A06E-055AE54B337B}">
-  <ds:schemaRefs>
-    <ds:schemaRef ds:uri="http://schemas.microsoft.com/VisualStudio/2011/storyboarding/control"/>
-  </ds:schemaRefs>
-</ds:datastoreItem>
-</file>
-
-<file path=customXml/itemProps32.xml><?xml version="1.0" encoding="utf-8"?>
-<ds:datastoreItem xmlns:ds="http://schemas.openxmlformats.org/officeDocument/2006/customXml" ds:itemID="{6FB9D450-4C47-4A44-8C0D-C78D8A54C46F}">
-  <ds:schemaRefs>
-    <ds:schemaRef ds:uri="http://schemas.microsoft.com/VisualStudio/2011/storyboarding/control"/>
-  </ds:schemaRefs>
-</ds:datastoreItem>
-</file>
-
 <file path=customXml/itemProps33.xml><?xml version="1.0" encoding="utf-8"?>
-<ds:datastoreItem xmlns:ds="http://schemas.openxmlformats.org/officeDocument/2006/customXml" ds:itemID="{82DB428A-B8F8-483F-8276-095629A8ECDB}">
-  <ds:schemaRefs>
-    <ds:schemaRef ds:uri="http://schemas.microsoft.com/VisualStudio/2011/storyboarding/control"/>
-  </ds:schemaRefs>
-</ds:datastoreItem>
-</file>
-
-<file path=customXml/itemProps34.xml><?xml version="1.0" encoding="utf-8"?>
-<ds:datastoreItem xmlns:ds="http://schemas.openxmlformats.org/officeDocument/2006/customXml" ds:itemID="{4E8278DB-3CDD-48A7-992E-A7596AD335B9}">
-  <ds:schemaRefs>
-    <ds:schemaRef ds:uri="http://schemas.microsoft.com/VisualStudio/2011/storyboarding/control"/>
-  </ds:schemaRefs>
-</ds:datastoreItem>
-</file>
-
-<file path=customXml/itemProps35.xml><?xml version="1.0" encoding="utf-8"?>
-<ds:datastoreItem xmlns:ds="http://schemas.openxmlformats.org/officeDocument/2006/customXml" ds:itemID="{4B16F4FE-7C26-4443-B426-81998D23ED87}">
-  <ds:schemaRefs>
-    <ds:schemaRef ds:uri="http://schemas.microsoft.com/VisualStudio/2011/storyboarding/control"/>
-  </ds:schemaRefs>
-</ds:datastoreItem>
-</file>
-
-<file path=customXml/itemProps36.xml><?xml version="1.0" encoding="utf-8"?>
 <ds:datastoreItem xmlns:ds="http://schemas.openxmlformats.org/officeDocument/2006/customXml" ds:itemID="{78A9CC3F-60BD-4E71-AC8A-59191A1D6E1C}">
   <ds:schemaRefs>
     <ds:schemaRef ds:uri="http://schemas.microsoft.com/office/2006/metadata/properties"/>
@@ -43986,16 +43947,40 @@
 </ds:datastoreItem>
 </file>
 
-<file path=customXml/itemProps37.xml><?xml version="1.0" encoding="utf-8"?>
-<ds:datastoreItem xmlns:ds="http://schemas.openxmlformats.org/officeDocument/2006/customXml" ds:itemID="{D4B5F268-5930-44CD-BDF1-D0A04D4BBC1C}">
+<file path=customXml/itemProps34.xml><?xml version="1.0" encoding="utf-8"?>
+<ds:datastoreItem xmlns:ds="http://schemas.openxmlformats.org/officeDocument/2006/customXml" ds:itemID="{67213E6F-7B96-4222-888B-63710B06D885}">
   <ds:schemaRefs>
     <ds:schemaRef ds:uri="http://schemas.microsoft.com/VisualStudio/2011/storyboarding/control"/>
   </ds:schemaRefs>
 </ds:datastoreItem>
 </file>
 
+<file path=customXml/itemProps35.xml><?xml version="1.0" encoding="utf-8"?>
+<ds:datastoreItem xmlns:ds="http://schemas.openxmlformats.org/officeDocument/2006/customXml" ds:itemID="{FE651ABA-5DC1-4ABD-A06E-055AE54B337B}">
+  <ds:schemaRefs>
+    <ds:schemaRef ds:uri="http://schemas.microsoft.com/VisualStudio/2011/storyboarding/control"/>
+  </ds:schemaRefs>
+</ds:datastoreItem>
+</file>
+
+<file path=customXml/itemProps36.xml><?xml version="1.0" encoding="utf-8"?>
+<ds:datastoreItem xmlns:ds="http://schemas.openxmlformats.org/officeDocument/2006/customXml" ds:itemID="{08C4EE12-DF69-4FFC-9E40-C7991F3490A6}">
+  <ds:schemaRefs>
+    <ds:schemaRef ds:uri="http://schemas.microsoft.com/VisualStudio/2011/storyboarding/control"/>
+  </ds:schemaRefs>
+</ds:datastoreItem>
+</file>
+
+<file path=customXml/itemProps37.xml><?xml version="1.0" encoding="utf-8"?>
+<ds:datastoreItem xmlns:ds="http://schemas.openxmlformats.org/officeDocument/2006/customXml" ds:itemID="{758FDAC0-319D-4A54-8D8E-1D42CB1F8004}">
+  <ds:schemaRefs>
+    <ds:schemaRef ds:uri="http://schemas.microsoft.com/sharepoint/v3/contenttype/forms"/>
+  </ds:schemaRefs>
+</ds:datastoreItem>
+</file>
+
 <file path=customXml/itemProps38.xml><?xml version="1.0" encoding="utf-8"?>
-<ds:datastoreItem xmlns:ds="http://schemas.openxmlformats.org/officeDocument/2006/customXml" ds:itemID="{C0F92A87-A216-45A9-B9C0-0515663D35BF}">
+<ds:datastoreItem xmlns:ds="http://schemas.openxmlformats.org/officeDocument/2006/customXml" ds:itemID="{8BD595CA-AC5E-43B9-B966-E468A16E8322}">
   <ds:schemaRefs>
     <ds:schemaRef ds:uri="http://schemas.microsoft.com/VisualStudio/2011/storyboarding/control"/>
   </ds:schemaRefs>
@@ -44011,7 +43996,15 @@
 </file>
 
 <file path=customXml/itemProps4.xml><?xml version="1.0" encoding="utf-8"?>
-<ds:datastoreItem xmlns:ds="http://schemas.openxmlformats.org/officeDocument/2006/customXml" ds:itemID="{3389BB8C-5699-43EF-A7BD-5FC20250F288}">
+<ds:datastoreItem xmlns:ds="http://schemas.openxmlformats.org/officeDocument/2006/customXml" ds:itemID="{432851C6-BC05-4673-B853-6D08AB80CDC4}">
+  <ds:schemaRefs>
+    <ds:schemaRef ds:uri="http://schemas.microsoft.com/VisualStudio/2011/storyboarding/control"/>
+  </ds:schemaRefs>
+</ds:datastoreItem>
+</file>
+
+<file path=customXml/itemProps40.xml><?xml version="1.0" encoding="utf-8"?>
+<ds:datastoreItem xmlns:ds="http://schemas.openxmlformats.org/officeDocument/2006/customXml" ds:itemID="{F990F116-B58F-4255-B05B-DA3808E0E5C6}">
   <ds:schemaRefs>
     <ds:schemaRef ds:uri="http://schemas.microsoft.com/office/2006/metadata/properties"/>
     <ds:schemaRef ds:uri="http://schemas.microsoft.com/office/infopath/2007/PartnerControls"/>
@@ -44020,16 +44013,8 @@
 </ds:datastoreItem>
 </file>
 
-<file path=customXml/itemProps40.xml><?xml version="1.0" encoding="utf-8"?>
-<ds:datastoreItem xmlns:ds="http://schemas.openxmlformats.org/officeDocument/2006/customXml" ds:itemID="{8257D6BC-B71E-4D95-81E4-A1D4A8174168}">
-  <ds:schemaRefs>
-    <ds:schemaRef ds:uri="http://schemas.microsoft.com/VisualStudio/2011/storyboarding/control"/>
-  </ds:schemaRefs>
-</ds:datastoreItem>
-</file>
-
 <file path=customXml/itemProps41.xml><?xml version="1.0" encoding="utf-8"?>
-<ds:datastoreItem xmlns:ds="http://schemas.openxmlformats.org/officeDocument/2006/customXml" ds:itemID="{0B54C583-7BAB-4080-8093-C5F84F5A225A}">
+<ds:datastoreItem xmlns:ds="http://schemas.openxmlformats.org/officeDocument/2006/customXml" ds:itemID="{4E8278DB-3CDD-48A7-992E-A7596AD335B9}">
   <ds:schemaRefs>
     <ds:schemaRef ds:uri="http://schemas.microsoft.com/VisualStudio/2011/storyboarding/control"/>
   </ds:schemaRefs>
@@ -44037,7 +44022,7 @@
 </file>
 
 <file path=customXml/itemProps5.xml><?xml version="1.0" encoding="utf-8"?>
-<ds:datastoreItem xmlns:ds="http://schemas.openxmlformats.org/officeDocument/2006/customXml" ds:itemID="{C63AC2F0-1DEB-4E91-A88A-7A014A172F4F}">
+<ds:datastoreItem xmlns:ds="http://schemas.openxmlformats.org/officeDocument/2006/customXml" ds:itemID="{366CA990-F93D-4100-9654-65D9E30F4E1C}">
   <ds:schemaRefs>
     <ds:schemaRef ds:uri="http://schemas.microsoft.com/VisualStudio/2011/storyboarding/control"/>
   </ds:schemaRefs>
@@ -44045,7 +44030,7 @@
 </file>
 
 <file path=customXml/itemProps6.xml><?xml version="1.0" encoding="utf-8"?>
-<ds:datastoreItem xmlns:ds="http://schemas.openxmlformats.org/officeDocument/2006/customXml" ds:itemID="{8893E80D-6D0C-4E0F-AA22-E5615BB87E5B}">
+<ds:datastoreItem xmlns:ds="http://schemas.openxmlformats.org/officeDocument/2006/customXml" ds:itemID="{F68D8396-E21C-4AFF-8FDD-70D00673D0EE}">
   <ds:schemaRefs>
     <ds:schemaRef ds:uri="http://schemas.microsoft.com/VisualStudio/2011/storyboarding/control"/>
   </ds:schemaRefs>
@@ -44053,7 +44038,7 @@
 </file>
 
 <file path=customXml/itemProps7.xml><?xml version="1.0" encoding="utf-8"?>
-<ds:datastoreItem xmlns:ds="http://schemas.openxmlformats.org/officeDocument/2006/customXml" ds:itemID="{3DC6CABD-46E1-4C27-A0B3-616DC56F8E5C}">
+<ds:datastoreItem xmlns:ds="http://schemas.openxmlformats.org/officeDocument/2006/customXml" ds:itemID="{6FB9D450-4C47-4A44-8C0D-C78D8A54C46F}">
   <ds:schemaRefs>
     <ds:schemaRef ds:uri="http://schemas.microsoft.com/VisualStudio/2011/storyboarding/control"/>
   </ds:schemaRefs>
@@ -44061,7 +44046,7 @@
 </file>
 
 <file path=customXml/itemProps8.xml><?xml version="1.0" encoding="utf-8"?>
-<ds:datastoreItem xmlns:ds="http://schemas.openxmlformats.org/officeDocument/2006/customXml" ds:itemID="{3C954CC5-1CAC-4EC3-9791-8630483065B9}">
+<ds:datastoreItem xmlns:ds="http://schemas.openxmlformats.org/officeDocument/2006/customXml" ds:itemID="{D4B5F268-5930-44CD-BDF1-D0A04D4BBC1C}">
   <ds:schemaRefs>
     <ds:schemaRef ds:uri="http://schemas.microsoft.com/VisualStudio/2011/storyboarding/control"/>
   </ds:schemaRefs>
@@ -44069,11 +44054,9 @@
 </file>
 
 <file path=customXml/itemProps9.xml><?xml version="1.0" encoding="utf-8"?>
-<ds:datastoreItem xmlns:ds="http://schemas.openxmlformats.org/officeDocument/2006/customXml" ds:itemID="{E692D73E-1478-4790-BEEC-C5C534998F40}">
+<ds:datastoreItem xmlns:ds="http://schemas.openxmlformats.org/officeDocument/2006/customXml" ds:itemID="{8257D6BC-B71E-4D95-81E4-A1D4A8174168}">
   <ds:schemaRefs>
-    <ds:schemaRef ds:uri="http://schemas.microsoft.com/office/2006/metadata/properties"/>
-    <ds:schemaRef ds:uri="http://schemas.microsoft.com/office/infopath/2007/PartnerControls"/>
-    <ds:schemaRef ds:uri="83cd2334-221a-48c3-9034-bfd1542dfe28"/>
+    <ds:schemaRef ds:uri="http://schemas.microsoft.com/VisualStudio/2011/storyboarding/control"/>
   </ds:schemaRefs>
 </ds:datastoreItem>
 </file>